--- a/reference_content/Slides/Feature_Selection.pptx
+++ b/reference_content/Slides/Feature_Selection.pptx
@@ -5,13 +5,16 @@
     <p:sldMasterId id="2147483660" r:id="rId1"/>
   </p:sldMasterIdLst>
   <p:sldIdLst>
-    <p:sldId id="256" r:id="rId2"/>
-    <p:sldId id="261" r:id="rId3"/>
-    <p:sldId id="257" r:id="rId4"/>
-    <p:sldId id="258" r:id="rId5"/>
-    <p:sldId id="259" r:id="rId6"/>
-    <p:sldId id="260" r:id="rId7"/>
-    <p:sldId id="262" r:id="rId8"/>
+    <p:sldId id="263" r:id="rId2"/>
+    <p:sldId id="256" r:id="rId3"/>
+    <p:sldId id="261" r:id="rId4"/>
+    <p:sldId id="257" r:id="rId5"/>
+    <p:sldId id="264" r:id="rId6"/>
+    <p:sldId id="258" r:id="rId7"/>
+    <p:sldId id="259" r:id="rId8"/>
+    <p:sldId id="260" r:id="rId9"/>
+    <p:sldId id="262" r:id="rId10"/>
+    <p:sldId id="265" r:id="rId11"/>
   </p:sldIdLst>
   <p:sldSz cx="12192000" cy="6858000"/>
   <p:notesSz cx="6858000" cy="9144000"/>
@@ -110,6 +113,11 @@
       </a:defRPr>
     </a:lvl9pPr>
   </p:defaultTextStyle>
+  <p:extLst>
+    <p:ext uri="{EFAFB233-063F-42B5-8137-9DF3F51BA10A}">
+      <p15:sldGuideLst xmlns:p15="http://schemas.microsoft.com/office/powerpoint/2012/main"/>
+    </p:ext>
+  </p:extLst>
 </p:presentation>
 </file>
 
@@ -252,7 +260,7 @@
           <a:p>
             <a:fld id="{58A3C616-8F30-EA4A-B186-C027DE3D5CBE}" type="datetimeFigureOut">
               <a:rPr lang="en-US" smtClean="0"/>
-              <a:t>1/27/22</a:t>
+              <a:t>2/27/24</a:t>
             </a:fld>
             <a:endParaRPr lang="en-US"/>
           </a:p>
@@ -463,7 +471,7 @@
           <a:p>
             <a:fld id="{58A3C616-8F30-EA4A-B186-C027DE3D5CBE}" type="datetimeFigureOut">
               <a:rPr lang="en-US" smtClean="0"/>
-              <a:t>1/27/22</a:t>
+              <a:t>2/27/24</a:t>
             </a:fld>
             <a:endParaRPr lang="en-US"/>
           </a:p>
@@ -678,7 +686,7 @@
           <a:p>
             <a:fld id="{58A3C616-8F30-EA4A-B186-C027DE3D5CBE}" type="datetimeFigureOut">
               <a:rPr lang="en-US" smtClean="0"/>
-              <a:t>1/27/22</a:t>
+              <a:t>2/27/24</a:t>
             </a:fld>
             <a:endParaRPr lang="en-US"/>
           </a:p>
@@ -879,7 +887,7 @@
           <a:p>
             <a:fld id="{58A3C616-8F30-EA4A-B186-C027DE3D5CBE}" type="datetimeFigureOut">
               <a:rPr lang="en-US" smtClean="0"/>
-              <a:t>1/27/22</a:t>
+              <a:t>2/27/24</a:t>
             </a:fld>
             <a:endParaRPr lang="en-US"/>
           </a:p>
@@ -1158,7 +1166,7 @@
           <a:p>
             <a:fld id="{58A3C616-8F30-EA4A-B186-C027DE3D5CBE}" type="datetimeFigureOut">
               <a:rPr lang="en-US" smtClean="0"/>
-              <a:t>1/27/22</a:t>
+              <a:t>2/27/24</a:t>
             </a:fld>
             <a:endParaRPr lang="en-US"/>
           </a:p>
@@ -1426,7 +1434,7 @@
           <a:p>
             <a:fld id="{58A3C616-8F30-EA4A-B186-C027DE3D5CBE}" type="datetimeFigureOut">
               <a:rPr lang="en-US" smtClean="0"/>
-              <a:t>1/27/22</a:t>
+              <a:t>2/27/24</a:t>
             </a:fld>
             <a:endParaRPr lang="en-US"/>
           </a:p>
@@ -1842,7 +1850,7 @@
           <a:p>
             <a:fld id="{58A3C616-8F30-EA4A-B186-C027DE3D5CBE}" type="datetimeFigureOut">
               <a:rPr lang="en-US" smtClean="0"/>
-              <a:t>1/27/22</a:t>
+              <a:t>2/27/24</a:t>
             </a:fld>
             <a:endParaRPr lang="en-US"/>
           </a:p>
@@ -1991,7 +1999,7 @@
           <a:p>
             <a:fld id="{58A3C616-8F30-EA4A-B186-C027DE3D5CBE}" type="datetimeFigureOut">
               <a:rPr lang="en-US" smtClean="0"/>
-              <a:t>1/27/22</a:t>
+              <a:t>2/27/24</a:t>
             </a:fld>
             <a:endParaRPr lang="en-US"/>
           </a:p>
@@ -2117,7 +2125,7 @@
           <a:p>
             <a:fld id="{58A3C616-8F30-EA4A-B186-C027DE3D5CBE}" type="datetimeFigureOut">
               <a:rPr lang="en-US" smtClean="0"/>
-              <a:t>1/27/22</a:t>
+              <a:t>2/27/24</a:t>
             </a:fld>
             <a:endParaRPr lang="en-US"/>
           </a:p>
@@ -2368,7 +2376,7 @@
           <a:p>
             <a:fld id="{58A3C616-8F30-EA4A-B186-C027DE3D5CBE}" type="datetimeFigureOut">
               <a:rPr lang="en-US" smtClean="0"/>
-              <a:t>1/27/22</a:t>
+              <a:t>2/27/24</a:t>
             </a:fld>
             <a:endParaRPr lang="en-US"/>
           </a:p>
@@ -2813,7 +2821,7 @@
           <a:p>
             <a:fld id="{58A3C616-8F30-EA4A-B186-C027DE3D5CBE}" type="datetimeFigureOut">
               <a:rPr lang="en-US" smtClean="0"/>
-              <a:t>1/27/22</a:t>
+              <a:t>2/27/24</a:t>
             </a:fld>
             <a:endParaRPr lang="en-US"/>
           </a:p>
@@ -3140,7 +3148,7 @@
           <a:p>
             <a:fld id="{58A3C616-8F30-EA4A-B186-C027DE3D5CBE}" type="datetimeFigureOut">
               <a:rPr lang="en-US" smtClean="0"/>
-              <a:t>1/27/22</a:t>
+              <a:t>2/27/24</a:t>
             </a:fld>
             <a:endParaRPr lang="en-US"/>
           </a:p>
@@ -3631,7 +3639,7 @@
           <p:cNvPr id="2" name="Title 1">
             <a:extLst>
               <a:ext uri="{FF2B5EF4-FFF2-40B4-BE49-F238E27FC236}">
-                <a16:creationId xmlns:a16="http://schemas.microsoft.com/office/drawing/2014/main" id="{4479753A-2A8C-F149-8035-FB4E6ADA2349}"/>
+                <a16:creationId xmlns:a16="http://schemas.microsoft.com/office/drawing/2014/main" id="{6F5B729C-5F22-829B-D662-2A331344D7C1}"/>
               </a:ext>
             </a:extLst>
           </p:cNvPr>
@@ -3639,7 +3647,7 @@
             <a:spLocks noGrp="1"/>
           </p:cNvSpPr>
           <p:nvPr>
-            <p:ph type="ctrTitle"/>
+            <p:ph type="title"/>
           </p:nvPr>
         </p:nvSpPr>
         <p:spPr/>
@@ -3647,19 +3655,16 @@
           <a:bodyPr/>
           <a:lstStyle/>
           <a:p>
-            <a:r>
-              <a:rPr lang="en-US" dirty="0"/>
-              <a:t>Feature Selection</a:t>
-            </a:r>
-          </a:p>
-        </p:txBody>
-      </p:sp>
-      <p:sp>
-        <p:nvSpPr>
-          <p:cNvPr id="3" name="Subtitle 2">
+            <a:endParaRPr lang="en-US"/>
+          </a:p>
+        </p:txBody>
+      </p:sp>
+      <p:sp>
+        <p:nvSpPr>
+          <p:cNvPr id="3" name="Content Placeholder 2">
             <a:extLst>
               <a:ext uri="{FF2B5EF4-FFF2-40B4-BE49-F238E27FC236}">
-                <a16:creationId xmlns:a16="http://schemas.microsoft.com/office/drawing/2014/main" id="{6EDDED44-6CBD-694F-83C3-CECD1E53689E}"/>
+                <a16:creationId xmlns:a16="http://schemas.microsoft.com/office/drawing/2014/main" id="{03DA75FD-6617-B722-A9EB-3D279C62B6AD}"/>
               </a:ext>
             </a:extLst>
           </p:cNvPr>
@@ -3667,7 +3672,7 @@
             <a:spLocks noGrp="1"/>
           </p:cNvSpPr>
           <p:nvPr>
-            <p:ph type="subTitle" idx="1"/>
+            <p:ph idx="1"/>
           </p:nvPr>
         </p:nvSpPr>
         <p:spPr/>
@@ -3682,7 +3687,147 @@
     </p:spTree>
     <p:extLst>
       <p:ext uri="{BB962C8B-B14F-4D97-AF65-F5344CB8AC3E}">
-        <p14:creationId xmlns:p14="http://schemas.microsoft.com/office/powerpoint/2010/main" val="844244035"/>
+        <p14:creationId xmlns:p14="http://schemas.microsoft.com/office/powerpoint/2010/main" val="3342344837"/>
+      </p:ext>
+    </p:extLst>
+  </p:cSld>
+  <p:clrMapOvr>
+    <a:masterClrMapping/>
+  </p:clrMapOvr>
+</p:sld>
+</file>
+
+<file path=ppt/slides/slide10.xml><?xml version="1.0" encoding="utf-8"?>
+<p:sld xmlns:a="http://schemas.openxmlformats.org/drawingml/2006/main" xmlns:r="http://schemas.openxmlformats.org/officeDocument/2006/relationships" xmlns:p="http://schemas.openxmlformats.org/presentationml/2006/main">
+  <p:cSld>
+    <p:spTree>
+      <p:nvGrpSpPr>
+        <p:cNvPr id="1" name=""/>
+        <p:cNvGrpSpPr/>
+        <p:nvPr/>
+      </p:nvGrpSpPr>
+      <p:grpSpPr>
+        <a:xfrm>
+          <a:off x="0" y="0"/>
+          <a:ext cx="0" cy="0"/>
+          <a:chOff x="0" y="0"/>
+          <a:chExt cx="0" cy="0"/>
+        </a:xfrm>
+      </p:grpSpPr>
+      <p:sp>
+        <p:nvSpPr>
+          <p:cNvPr id="2" name="Title 1">
+            <a:extLst>
+              <a:ext uri="{FF2B5EF4-FFF2-40B4-BE49-F238E27FC236}">
+                <a16:creationId xmlns:a16="http://schemas.microsoft.com/office/drawing/2014/main" id="{42B6E3C1-5B20-D524-8B03-2C9E50076095}"/>
+              </a:ext>
+            </a:extLst>
+          </p:cNvPr>
+          <p:cNvSpPr>
+            <a:spLocks noGrp="1"/>
+          </p:cNvSpPr>
+          <p:nvPr>
+            <p:ph type="title"/>
+          </p:nvPr>
+        </p:nvSpPr>
+        <p:spPr/>
+        <p:txBody>
+          <a:bodyPr/>
+          <a:lstStyle/>
+          <a:p>
+            <a:r>
+              <a:rPr lang="en-US" dirty="0"/>
+              <a:t>Feature Selection’s Buddies</a:t>
+            </a:r>
+          </a:p>
+        </p:txBody>
+      </p:sp>
+      <p:sp>
+        <p:nvSpPr>
+          <p:cNvPr id="3" name="Content Placeholder 2">
+            <a:extLst>
+              <a:ext uri="{FF2B5EF4-FFF2-40B4-BE49-F238E27FC236}">
+                <a16:creationId xmlns:a16="http://schemas.microsoft.com/office/drawing/2014/main" id="{57DC8E8B-57F3-C18E-4EA1-CDDEBA73389B}"/>
+              </a:ext>
+            </a:extLst>
+          </p:cNvPr>
+          <p:cNvSpPr>
+            <a:spLocks noGrp="1"/>
+          </p:cNvSpPr>
+          <p:nvPr>
+            <p:ph idx="1"/>
+          </p:nvPr>
+        </p:nvSpPr>
+        <p:spPr>
+          <a:xfrm>
+            <a:off x="1451579" y="1853755"/>
+            <a:ext cx="9603275" cy="4199726"/>
+          </a:xfrm>
+        </p:spPr>
+        <p:txBody>
+          <a:bodyPr>
+            <a:normAutofit/>
+          </a:bodyPr>
+          <a:lstStyle/>
+          <a:p>
+            <a:r>
+              <a:rPr lang="en-US" dirty="0"/>
+              <a:t>PCA – extracts portions of the “value” from each feature, composes into new features. </a:t>
+            </a:r>
+          </a:p>
+          <a:p>
+            <a:pPr lvl="1"/>
+            <a:r>
+              <a:rPr lang="en-US" dirty="0"/>
+              <a:t>Not feature selection as none of the features actually goes away. </a:t>
+            </a:r>
+          </a:p>
+          <a:p>
+            <a:pPr lvl="1"/>
+            <a:r>
+              <a:rPr lang="en-US" dirty="0"/>
+              <a:t>Can provide many of the same benefits, or better. E.g. example with pixels. </a:t>
+            </a:r>
+          </a:p>
+          <a:p>
+            <a:r>
+              <a:rPr lang="en-US" dirty="0"/>
+              <a:t>Bigger/better models – large models, like neural networks, can learn their own feature selection given enough data. </a:t>
+            </a:r>
+          </a:p>
+          <a:p>
+            <a:pPr lvl="1"/>
+            <a:r>
+              <a:rPr lang="en-US" dirty="0"/>
+              <a:t>Complex scenarios may allow the model to learn this better than is possible with this stuff. </a:t>
+            </a:r>
+          </a:p>
+          <a:p>
+            <a:r>
+              <a:rPr lang="en-US" dirty="0"/>
+              <a:t>Simple is (usually) better – in most cases if you can get almost all the performance with simple data/simple models, that’s a win. </a:t>
+            </a:r>
+          </a:p>
+          <a:p>
+            <a:pPr lvl="1"/>
+            <a:r>
+              <a:rPr lang="en-US" dirty="0"/>
+              <a:t>Feature selection will make more of an impact with smaller, simpler models and data. </a:t>
+            </a:r>
+          </a:p>
+          <a:p>
+            <a:pPr lvl="1"/>
+            <a:r>
+              <a:rPr lang="en-US" dirty="0"/>
+              <a:t>Can unlock better performance on large models by allowing quicker trials. </a:t>
+            </a:r>
+          </a:p>
+        </p:txBody>
+      </p:sp>
+    </p:spTree>
+    <p:extLst>
+      <p:ext uri="{BB962C8B-B14F-4D97-AF65-F5344CB8AC3E}">
+        <p14:creationId xmlns:p14="http://schemas.microsoft.com/office/powerpoint/2010/main" val="2609040331"/>
       </p:ext>
     </p:extLst>
   </p:cSld>
@@ -3714,7 +3859,7 @@
           <p:cNvPr id="2" name="Title 1">
             <a:extLst>
               <a:ext uri="{FF2B5EF4-FFF2-40B4-BE49-F238E27FC236}">
-                <a16:creationId xmlns:a16="http://schemas.microsoft.com/office/drawing/2014/main" id="{BE47DD47-F066-1249-9FC1-291033AFF13F}"/>
+                <a16:creationId xmlns:a16="http://schemas.microsoft.com/office/drawing/2014/main" id="{4479753A-2A8C-F149-8035-FB4E6ADA2349}"/>
               </a:ext>
             </a:extLst>
           </p:cNvPr>
@@ -3722,7 +3867,7 @@
             <a:spLocks noGrp="1"/>
           </p:cNvSpPr>
           <p:nvPr>
-            <p:ph type="title"/>
+            <p:ph type="ctrTitle"/>
           </p:nvPr>
         </p:nvSpPr>
         <p:spPr/>
@@ -3732,17 +3877,17 @@
           <a:p>
             <a:r>
               <a:rPr lang="en-US" dirty="0"/>
-              <a:t>Detour – Sparse vs Dense</a:t>
-            </a:r>
-          </a:p>
-        </p:txBody>
-      </p:sp>
-      <p:sp>
-        <p:nvSpPr>
-          <p:cNvPr id="3" name="Content Placeholder 2">
+              <a:t>Feature Selection</a:t>
+            </a:r>
+          </a:p>
+        </p:txBody>
+      </p:sp>
+      <p:sp>
+        <p:nvSpPr>
+          <p:cNvPr id="3" name="Subtitle 2">
             <a:extLst>
               <a:ext uri="{FF2B5EF4-FFF2-40B4-BE49-F238E27FC236}">
-                <a16:creationId xmlns:a16="http://schemas.microsoft.com/office/drawing/2014/main" id="{226B2D96-A879-D94E-BDF3-787B0AC923DF}"/>
+                <a16:creationId xmlns:a16="http://schemas.microsoft.com/office/drawing/2014/main" id="{6EDDED44-6CBD-694F-83C3-CECD1E53689E}"/>
               </a:ext>
             </a:extLst>
           </p:cNvPr>
@@ -3750,90 +3895,22 @@
             <a:spLocks noGrp="1"/>
           </p:cNvSpPr>
           <p:nvPr>
-            <p:ph idx="1"/>
-          </p:nvPr>
-        </p:nvSpPr>
-        <p:spPr>
-          <a:xfrm>
-            <a:off x="1451579" y="2015732"/>
-            <a:ext cx="9603275" cy="4037749"/>
-          </a:xfrm>
-        </p:spPr>
-        <p:txBody>
-          <a:bodyPr/>
-          <a:lstStyle/>
-          <a:p>
-            <a:r>
-              <a:rPr lang="en-US" dirty="0"/>
-              <a:t>One thing that is mentioned regularly is a sparse or dense matrix. </a:t>
-            </a:r>
-          </a:p>
-          <a:p>
-            <a:r>
-              <a:rPr lang="en-US" dirty="0"/>
-              <a:t>Sparse matrices are mostly 0, dense matrices are not. </a:t>
-            </a:r>
-          </a:p>
-          <a:p>
-            <a:pPr lvl="1"/>
-            <a:r>
-              <a:rPr lang="en-US" dirty="0"/>
-              <a:t>E.g. one hot encoded data with many classes makes a very sparse matrix. </a:t>
-            </a:r>
-          </a:p>
-          <a:p>
-            <a:r>
-              <a:rPr lang="en-US" dirty="0"/>
-              <a:t>The difference is in how they are treated (sometimes) in code. </a:t>
-            </a:r>
-          </a:p>
-          <a:p>
-            <a:r>
-              <a:rPr lang="en-US" dirty="0"/>
-              <a:t>Sparse matrices can be represented differently in storage:</a:t>
-            </a:r>
-          </a:p>
-          <a:p>
-            <a:pPr lvl="1"/>
-            <a:r>
-              <a:rPr lang="en-US" dirty="0"/>
-              <a:t>Storage space can be more efficient.</a:t>
-            </a:r>
-          </a:p>
-          <a:p>
-            <a:pPr lvl="1"/>
-            <a:r>
-              <a:rPr lang="en-US" dirty="0"/>
-              <a:t>Processing speed can be quicker.</a:t>
-            </a:r>
-          </a:p>
-          <a:p>
-            <a:r>
-              <a:rPr lang="en-US" dirty="0"/>
-              <a:t>We don’t really need to think about it much, it is a concern with large amounts of data.</a:t>
-            </a:r>
-          </a:p>
-          <a:p>
-            <a:pPr lvl="1"/>
-            <a:r>
-              <a:rPr lang="en-US" dirty="0"/>
-              <a:t>E.g. </a:t>
-            </a:r>
-            <a:r>
-              <a:rPr lang="en-US" dirty="0" err="1"/>
-              <a:t>Sklearn</a:t>
-            </a:r>
-            <a:r>
-              <a:rPr lang="en-US" dirty="0"/>
-              <a:t> data needs to fit in RAM. </a:t>
-            </a:r>
+            <p:ph type="subTitle" idx="1"/>
+          </p:nvPr>
+        </p:nvSpPr>
+        <p:spPr/>
+        <p:txBody>
+          <a:bodyPr/>
+          <a:lstStyle/>
+          <a:p>
+            <a:endParaRPr lang="en-US"/>
           </a:p>
         </p:txBody>
       </p:sp>
     </p:spTree>
     <p:extLst>
       <p:ext uri="{BB962C8B-B14F-4D97-AF65-F5344CB8AC3E}">
-        <p14:creationId xmlns:p14="http://schemas.microsoft.com/office/powerpoint/2010/main" val="2869976543"/>
+        <p14:creationId xmlns:p14="http://schemas.microsoft.com/office/powerpoint/2010/main" val="844244035"/>
       </p:ext>
     </p:extLst>
   </p:cSld>
@@ -3844,7 +3921,7 @@
 </file>
 
 <file path=ppt/slides/slide3.xml><?xml version="1.0" encoding="utf-8"?>
-<p:sld xmlns:a="http://schemas.openxmlformats.org/drawingml/2006/main" xmlns:r="http://schemas.openxmlformats.org/officeDocument/2006/relationships" xmlns:p="http://schemas.openxmlformats.org/presentationml/2006/main">
+<p:sld xmlns:a="http://schemas.openxmlformats.org/drawingml/2006/main" xmlns:r="http://schemas.openxmlformats.org/officeDocument/2006/relationships" xmlns:p="http://schemas.openxmlformats.org/presentationml/2006/main" show="0">
   <p:cSld>
     <p:spTree>
       <p:nvGrpSpPr>
@@ -3865,7 +3942,7 @@
           <p:cNvPr id="2" name="Title 1">
             <a:extLst>
               <a:ext uri="{FF2B5EF4-FFF2-40B4-BE49-F238E27FC236}">
-                <a16:creationId xmlns:a16="http://schemas.microsoft.com/office/drawing/2014/main" id="{1991E9C2-ED82-7641-89DF-BD0FD9009908}"/>
+                <a16:creationId xmlns:a16="http://schemas.microsoft.com/office/drawing/2014/main" id="{BE47DD47-F066-1249-9FC1-291033AFF13F}"/>
               </a:ext>
             </a:extLst>
           </p:cNvPr>
@@ -3883,7 +3960,7 @@
           <a:p>
             <a:r>
               <a:rPr lang="en-US" dirty="0"/>
-              <a:t>Feature Selection</a:t>
+              <a:t>Detour – Sparse vs Dense</a:t>
             </a:r>
           </a:p>
         </p:txBody>
@@ -3893,7 +3970,7 @@
           <p:cNvPr id="3" name="Content Placeholder 2">
             <a:extLst>
               <a:ext uri="{FF2B5EF4-FFF2-40B4-BE49-F238E27FC236}">
-                <a16:creationId xmlns:a16="http://schemas.microsoft.com/office/drawing/2014/main" id="{3E61FF5A-7AE6-5944-8AB3-FC846FC5F66C}"/>
+                <a16:creationId xmlns:a16="http://schemas.microsoft.com/office/drawing/2014/main" id="{226B2D96-A879-D94E-BDF3-787B0AC923DF}"/>
               </a:ext>
             </a:extLst>
           </p:cNvPr>
@@ -3904,39 +3981,79 @@
             <p:ph idx="1"/>
           </p:nvPr>
         </p:nvSpPr>
-        <p:spPr/>
-        <p:txBody>
-          <a:bodyPr/>
-          <a:lstStyle/>
-          <a:p>
-            <a:r>
-              <a:rPr lang="en-US" dirty="0"/>
-              <a:t>Until now, we haven’t worried too much about feature selection.</a:t>
+        <p:spPr>
+          <a:xfrm>
+            <a:off x="1451579" y="2015732"/>
+            <a:ext cx="9603275" cy="4037749"/>
+          </a:xfrm>
+        </p:spPr>
+        <p:txBody>
+          <a:bodyPr/>
+          <a:lstStyle/>
+          <a:p>
+            <a:r>
+              <a:rPr lang="en-US" dirty="0"/>
+              <a:t>One thing that is mentioned regularly is a sparse or dense matrix. </a:t>
+            </a:r>
+          </a:p>
+          <a:p>
+            <a:r>
+              <a:rPr lang="en-US" dirty="0"/>
+              <a:t>Sparse matrices are mostly 0, dense matrices are not. </a:t>
             </a:r>
           </a:p>
           <a:p>
             <a:pPr lvl="1"/>
             <a:r>
               <a:rPr lang="en-US" dirty="0"/>
-              <a:t>Outside of regularization built into algorithms. </a:t>
-            </a:r>
-          </a:p>
-          <a:p>
-            <a:r>
-              <a:rPr lang="en-US" dirty="0"/>
-              <a:t>We’ve seen some pretty wide data, with lots of features. </a:t>
-            </a:r>
-          </a:p>
-          <a:p>
-            <a:r>
-              <a:rPr lang="en-US" dirty="0"/>
-              <a:t>Just like with linear regression with p values, we can select some features to help our models. </a:t>
-            </a:r>
-          </a:p>
-          <a:p>
-            <a:r>
-              <a:rPr lang="en-US" dirty="0"/>
-              <a:t>We can build this selection into pipelines to make things slick. </a:t>
+              <a:t>E.g. one hot encoded data with many classes makes a very sparse matrix. </a:t>
+            </a:r>
+          </a:p>
+          <a:p>
+            <a:r>
+              <a:rPr lang="en-US" dirty="0"/>
+              <a:t>The difference is in how they are treated (sometimes) in code. </a:t>
+            </a:r>
+          </a:p>
+          <a:p>
+            <a:r>
+              <a:rPr lang="en-US" dirty="0"/>
+              <a:t>Sparse matrices can be represented differently in storage:</a:t>
+            </a:r>
+          </a:p>
+          <a:p>
+            <a:pPr lvl="1"/>
+            <a:r>
+              <a:rPr lang="en-US" dirty="0"/>
+              <a:t>Storage space can be more efficient.</a:t>
+            </a:r>
+          </a:p>
+          <a:p>
+            <a:pPr lvl="1"/>
+            <a:r>
+              <a:rPr lang="en-US" dirty="0"/>
+              <a:t>Processing speed can be quicker.</a:t>
+            </a:r>
+          </a:p>
+          <a:p>
+            <a:r>
+              <a:rPr lang="en-US" dirty="0"/>
+              <a:t>We don’t really need to think about it much, it is a concern with large amounts of data.</a:t>
+            </a:r>
+          </a:p>
+          <a:p>
+            <a:pPr lvl="1"/>
+            <a:r>
+              <a:rPr lang="en-US" dirty="0"/>
+              <a:t>E.g. </a:t>
+            </a:r>
+            <a:r>
+              <a:rPr lang="en-US" dirty="0" err="1"/>
+              <a:t>Sklearn</a:t>
+            </a:r>
+            <a:r>
+              <a:rPr lang="en-US" dirty="0"/>
+              <a:t> data needs to fit in RAM. </a:t>
             </a:r>
           </a:p>
         </p:txBody>
@@ -3944,7 +4061,7 @@
     </p:spTree>
     <p:extLst>
       <p:ext uri="{BB962C8B-B14F-4D97-AF65-F5344CB8AC3E}">
-        <p14:creationId xmlns:p14="http://schemas.microsoft.com/office/powerpoint/2010/main" val="947326146"/>
+        <p14:creationId xmlns:p14="http://schemas.microsoft.com/office/powerpoint/2010/main" val="2869976543"/>
       </p:ext>
     </p:extLst>
   </p:cSld>
@@ -3976,7 +4093,7 @@
           <p:cNvPr id="2" name="Title 1">
             <a:extLst>
               <a:ext uri="{FF2B5EF4-FFF2-40B4-BE49-F238E27FC236}">
-                <a16:creationId xmlns:a16="http://schemas.microsoft.com/office/drawing/2014/main" id="{0F45099C-D220-6640-A954-5231A62190D3}"/>
+                <a16:creationId xmlns:a16="http://schemas.microsoft.com/office/drawing/2014/main" id="{1991E9C2-ED82-7641-89DF-BD0FD9009908}"/>
               </a:ext>
             </a:extLst>
           </p:cNvPr>
@@ -3994,7 +4111,7 @@
           <a:p>
             <a:r>
               <a:rPr lang="en-US" dirty="0"/>
-              <a:t>Univariate Selection</a:t>
+              <a:t>Feature Selection</a:t>
             </a:r>
           </a:p>
         </p:txBody>
@@ -4004,7 +4121,7 @@
           <p:cNvPr id="3" name="Content Placeholder 2">
             <a:extLst>
               <a:ext uri="{FF2B5EF4-FFF2-40B4-BE49-F238E27FC236}">
-                <a16:creationId xmlns:a16="http://schemas.microsoft.com/office/drawing/2014/main" id="{D81A3263-ADD9-434D-AE47-675714C45D6F}"/>
+                <a16:creationId xmlns:a16="http://schemas.microsoft.com/office/drawing/2014/main" id="{3E61FF5A-7AE6-5944-8AB3-FC846FC5F66C}"/>
               </a:ext>
             </a:extLst>
           </p:cNvPr>
@@ -4015,90 +4132,39 @@
             <p:ph idx="1"/>
           </p:nvPr>
         </p:nvSpPr>
-        <p:spPr>
-          <a:xfrm>
-            <a:off x="1451579" y="2015732"/>
-            <a:ext cx="9603275" cy="4037749"/>
-          </a:xfrm>
-        </p:spPr>
-        <p:txBody>
-          <a:bodyPr>
-            <a:normAutofit lnSpcReduction="10000"/>
-          </a:bodyPr>
-          <a:lstStyle/>
-          <a:p>
-            <a:r>
-              <a:rPr lang="en-US" dirty="0"/>
-              <a:t>Univariate selection looks at the characteristics of one variable at a time. </a:t>
-            </a:r>
-          </a:p>
-          <a:p>
-            <a:r>
-              <a:rPr lang="en-US" dirty="0"/>
-              <a:t>Based on correlation – the more a feature is correlated with the target, the more likely it is to be predictive. </a:t>
-            </a:r>
-          </a:p>
-          <a:p>
-            <a:r>
-              <a:rPr lang="en-US" dirty="0"/>
-              <a:t>Regression:</a:t>
+        <p:spPr/>
+        <p:txBody>
+          <a:bodyPr/>
+          <a:lstStyle/>
+          <a:p>
+            <a:r>
+              <a:rPr lang="en-US" dirty="0"/>
+              <a:t>Until now, we haven’t worried too much about feature selection.</a:t>
             </a:r>
           </a:p>
           <a:p>
             <a:pPr lvl="1"/>
             <a:r>
-              <a:rPr lang="en-US" dirty="0" err="1"/>
-              <a:t>F_regression</a:t>
-            </a:r>
-            <a:r>
-              <a:rPr lang="en-US" dirty="0"/>
-              <a:t> (correlation)</a:t>
-            </a:r>
-          </a:p>
-          <a:p>
-            <a:pPr lvl="1"/>
-            <a:r>
-              <a:rPr lang="en-US" dirty="0" err="1"/>
-              <a:t>Mutual_info_regression</a:t>
-            </a:r>
-            <a:r>
-              <a:rPr lang="en-US" dirty="0"/>
-              <a:t> (information gain)</a:t>
-            </a:r>
-          </a:p>
-          <a:p>
-            <a:r>
-              <a:rPr lang="en-US" dirty="0"/>
-              <a:t>Classification:</a:t>
-            </a:r>
-          </a:p>
-          <a:p>
-            <a:pPr lvl="1"/>
-            <a:r>
-              <a:rPr lang="en-US" dirty="0" err="1"/>
-              <a:t>F_classif</a:t>
-            </a:r>
-            <a:r>
-              <a:rPr lang="en-US" dirty="0"/>
-              <a:t> (ANOVA)</a:t>
-            </a:r>
-          </a:p>
-          <a:p>
-            <a:pPr lvl="1"/>
-            <a:r>
-              <a:rPr lang="en-US" dirty="0"/>
-              <a:t>Chi2 (~correlation)</a:t>
-            </a:r>
-          </a:p>
-          <a:p>
-            <a:pPr lvl="1"/>
-            <a:r>
-              <a:rPr lang="en-US" dirty="0" err="1"/>
-              <a:t>Mutual_info_classif</a:t>
-            </a:r>
-            <a:r>
-              <a:rPr lang="en-US" dirty="0"/>
-              <a:t> (information gain)</a:t>
+              <a:rPr lang="en-US" dirty="0"/>
+              <a:t>Outside of regularization built into algorithms. </a:t>
+            </a:r>
+          </a:p>
+          <a:p>
+            <a:r>
+              <a:rPr lang="en-US" dirty="0"/>
+              <a:t>We’ve seen some pretty wide data, with lots of features. </a:t>
+            </a:r>
+          </a:p>
+          <a:p>
+            <a:r>
+              <a:rPr lang="en-US" dirty="0"/>
+              <a:t>Just like with linear regression with p values, we can select some features to help our models. </a:t>
+            </a:r>
+          </a:p>
+          <a:p>
+            <a:r>
+              <a:rPr lang="en-US" dirty="0"/>
+              <a:t>We can build this selection into pipelines to make things slick. </a:t>
             </a:r>
           </a:p>
         </p:txBody>
@@ -4106,7 +4172,7 @@
     </p:spTree>
     <p:extLst>
       <p:ext uri="{BB962C8B-B14F-4D97-AF65-F5344CB8AC3E}">
-        <p14:creationId xmlns:p14="http://schemas.microsoft.com/office/powerpoint/2010/main" val="3177436137"/>
+        <p14:creationId xmlns:p14="http://schemas.microsoft.com/office/powerpoint/2010/main" val="947326146"/>
       </p:ext>
     </p:extLst>
   </p:cSld>
@@ -4138,7 +4204,7 @@
           <p:cNvPr id="2" name="Title 1">
             <a:extLst>
               <a:ext uri="{FF2B5EF4-FFF2-40B4-BE49-F238E27FC236}">
-                <a16:creationId xmlns:a16="http://schemas.microsoft.com/office/drawing/2014/main" id="{1E1B38B9-B551-924B-B4DA-B77F34204A13}"/>
+                <a16:creationId xmlns:a16="http://schemas.microsoft.com/office/drawing/2014/main" id="{8EA20616-9A4B-8E8A-C18F-57E8CFE9D4D9}"/>
               </a:ext>
             </a:extLst>
           </p:cNvPr>
@@ -4156,7 +4222,7 @@
           <a:p>
             <a:r>
               <a:rPr lang="en-US" dirty="0"/>
-              <a:t>Univariate Implementation</a:t>
+              <a:t>Feature Selection Basics</a:t>
             </a:r>
           </a:p>
         </p:txBody>
@@ -4166,7 +4232,7 @@
           <p:cNvPr id="3" name="Content Placeholder 2">
             <a:extLst>
               <a:ext uri="{FF2B5EF4-FFF2-40B4-BE49-F238E27FC236}">
-                <a16:creationId xmlns:a16="http://schemas.microsoft.com/office/drawing/2014/main" id="{37229D49-2C8D-D84F-AC9F-73C0BD80344F}"/>
+                <a16:creationId xmlns:a16="http://schemas.microsoft.com/office/drawing/2014/main" id="{9B46B182-4F74-041F-E8F0-44F9A5145A9E}"/>
               </a:ext>
             </a:extLst>
           </p:cNvPr>
@@ -4177,20 +4243,88 @@
             <p:ph idx="1"/>
           </p:nvPr>
         </p:nvSpPr>
-        <p:spPr/>
-        <p:txBody>
-          <a:bodyPr/>
-          <a:lstStyle/>
-          <a:p>
-            <a:r>
-              <a:rPr lang="en-US" dirty="0"/>
-              <a:t>Select k best: select the best k features based on the metric. </a:t>
-            </a:r>
-          </a:p>
-          <a:p>
-            <a:r>
-              <a:rPr lang="en-US" dirty="0"/>
-              <a:t>Select percentile: select the best percentage of features based on the metric. </a:t>
+        <p:spPr>
+          <a:xfrm>
+            <a:off x="1451579" y="1853754"/>
+            <a:ext cx="9603275" cy="4199727"/>
+          </a:xfrm>
+        </p:spPr>
+        <p:txBody>
+          <a:bodyPr>
+            <a:normAutofit lnSpcReduction="10000"/>
+          </a:bodyPr>
+          <a:lstStyle/>
+          <a:p>
+            <a:r>
+              <a:rPr lang="en-US" dirty="0"/>
+              <a:t>In general, selecting features won’t improve a model’s net performance very often. </a:t>
+            </a:r>
+          </a:p>
+          <a:p>
+            <a:r>
+              <a:rPr lang="en-US" dirty="0"/>
+              <a:t>Feature selection allows us to have simpler models:</a:t>
+            </a:r>
+          </a:p>
+          <a:p>
+            <a:pPr lvl="1"/>
+            <a:r>
+              <a:rPr lang="en-US" dirty="0"/>
+              <a:t>Fewer features can make for less data, quicker execution, lower cost, or more transparency.  </a:t>
+            </a:r>
+          </a:p>
+          <a:p>
+            <a:r>
+              <a:rPr lang="en-US" dirty="0"/>
+              <a:t>We want to include the things helpful to an accurate prediction, exclude those not. </a:t>
+            </a:r>
+          </a:p>
+          <a:p>
+            <a:r>
+              <a:rPr lang="en-US" dirty="0"/>
+              <a:t>The metric for helpful can change:</a:t>
+            </a:r>
+          </a:p>
+          <a:p>
+            <a:pPr lvl="1"/>
+            <a:r>
+              <a:rPr lang="en-US" dirty="0"/>
+              <a:t>Basic statistics or inspection – does this value vary enough or is it clearly useless? </a:t>
+            </a:r>
+          </a:p>
+          <a:p>
+            <a:pPr lvl="1"/>
+            <a:r>
+              <a:rPr lang="en-US" dirty="0"/>
+              <a:t>Correlation-</a:t>
+            </a:r>
+            <a:r>
+              <a:rPr lang="en-US" dirty="0" err="1"/>
+              <a:t>ish</a:t>
+            </a:r>
+            <a:r>
+              <a:rPr lang="en-US" dirty="0"/>
+              <a:t> measures. </a:t>
+            </a:r>
+          </a:p>
+          <a:p>
+            <a:pPr lvl="1"/>
+            <a:r>
+              <a:rPr lang="en-US" dirty="0"/>
+              <a:t>Model determinations from internal measures, such as tree feature importance. </a:t>
+            </a:r>
+          </a:p>
+          <a:p>
+            <a:pPr lvl="1"/>
+            <a:r>
+              <a:rPr lang="en-US" dirty="0"/>
+              <a:t>Performance of the actual model with/without. </a:t>
+            </a:r>
+          </a:p>
+          <a:p>
+            <a:r>
+              <a:rPr lang="en-US" dirty="0"/>
+              <a:t>All feature selection is basically different methods of calculating and testing this. </a:t>
             </a:r>
           </a:p>
         </p:txBody>
@@ -4198,7 +4332,7 @@
     </p:spTree>
     <p:extLst>
       <p:ext uri="{BB962C8B-B14F-4D97-AF65-F5344CB8AC3E}">
-        <p14:creationId xmlns:p14="http://schemas.microsoft.com/office/powerpoint/2010/main" val="880092597"/>
+        <p14:creationId xmlns:p14="http://schemas.microsoft.com/office/powerpoint/2010/main" val="2612277619"/>
       </p:ext>
     </p:extLst>
   </p:cSld>
@@ -4230,6 +4364,260 @@
           <p:cNvPr id="2" name="Title 1">
             <a:extLst>
               <a:ext uri="{FF2B5EF4-FFF2-40B4-BE49-F238E27FC236}">
+                <a16:creationId xmlns:a16="http://schemas.microsoft.com/office/drawing/2014/main" id="{0F45099C-D220-6640-A954-5231A62190D3}"/>
+              </a:ext>
+            </a:extLst>
+          </p:cNvPr>
+          <p:cNvSpPr>
+            <a:spLocks noGrp="1"/>
+          </p:cNvSpPr>
+          <p:nvPr>
+            <p:ph type="title"/>
+          </p:nvPr>
+        </p:nvSpPr>
+        <p:spPr/>
+        <p:txBody>
+          <a:bodyPr/>
+          <a:lstStyle/>
+          <a:p>
+            <a:r>
+              <a:rPr lang="en-US" dirty="0"/>
+              <a:t>Univariate Selection</a:t>
+            </a:r>
+          </a:p>
+        </p:txBody>
+      </p:sp>
+      <p:sp>
+        <p:nvSpPr>
+          <p:cNvPr id="3" name="Content Placeholder 2">
+            <a:extLst>
+              <a:ext uri="{FF2B5EF4-FFF2-40B4-BE49-F238E27FC236}">
+                <a16:creationId xmlns:a16="http://schemas.microsoft.com/office/drawing/2014/main" id="{D81A3263-ADD9-434D-AE47-675714C45D6F}"/>
+              </a:ext>
+            </a:extLst>
+          </p:cNvPr>
+          <p:cNvSpPr>
+            <a:spLocks noGrp="1"/>
+          </p:cNvSpPr>
+          <p:nvPr>
+            <p:ph idx="1"/>
+          </p:nvPr>
+        </p:nvSpPr>
+        <p:spPr>
+          <a:xfrm>
+            <a:off x="1451579" y="2015732"/>
+            <a:ext cx="9603275" cy="4037749"/>
+          </a:xfrm>
+        </p:spPr>
+        <p:txBody>
+          <a:bodyPr>
+            <a:normAutofit lnSpcReduction="10000"/>
+          </a:bodyPr>
+          <a:lstStyle/>
+          <a:p>
+            <a:r>
+              <a:rPr lang="en-US" dirty="0"/>
+              <a:t>Univariate selection looks at the characteristics of one variable at a time. </a:t>
+            </a:r>
+          </a:p>
+          <a:p>
+            <a:r>
+              <a:rPr lang="en-US" dirty="0"/>
+              <a:t>Based on correlation – the more a feature is correlated with the target, the more likely it is to be predictive. </a:t>
+            </a:r>
+          </a:p>
+          <a:p>
+            <a:r>
+              <a:rPr lang="en-US" dirty="0"/>
+              <a:t>Regression:</a:t>
+            </a:r>
+          </a:p>
+          <a:p>
+            <a:pPr lvl="1"/>
+            <a:r>
+              <a:rPr lang="en-US" dirty="0" err="1"/>
+              <a:t>F_regression</a:t>
+            </a:r>
+            <a:r>
+              <a:rPr lang="en-US" dirty="0"/>
+              <a:t> (correlation)</a:t>
+            </a:r>
+          </a:p>
+          <a:p>
+            <a:pPr lvl="1"/>
+            <a:r>
+              <a:rPr lang="en-US" dirty="0" err="1"/>
+              <a:t>Mutual_info_regression</a:t>
+            </a:r>
+            <a:r>
+              <a:rPr lang="en-US" dirty="0"/>
+              <a:t> (information gain)</a:t>
+            </a:r>
+          </a:p>
+          <a:p>
+            <a:r>
+              <a:rPr lang="en-US" dirty="0"/>
+              <a:t>Classification:</a:t>
+            </a:r>
+          </a:p>
+          <a:p>
+            <a:pPr lvl="1"/>
+            <a:r>
+              <a:rPr lang="en-US" dirty="0" err="1"/>
+              <a:t>F_classif</a:t>
+            </a:r>
+            <a:r>
+              <a:rPr lang="en-US" dirty="0"/>
+              <a:t> (ANOVA)</a:t>
+            </a:r>
+          </a:p>
+          <a:p>
+            <a:pPr lvl="1"/>
+            <a:r>
+              <a:rPr lang="en-US" dirty="0"/>
+              <a:t>Chi2 (~correlation)</a:t>
+            </a:r>
+          </a:p>
+          <a:p>
+            <a:pPr lvl="1"/>
+            <a:r>
+              <a:rPr lang="en-US" dirty="0" err="1"/>
+              <a:t>Mutual_info_classif</a:t>
+            </a:r>
+            <a:r>
+              <a:rPr lang="en-US" dirty="0"/>
+              <a:t> (information gain)</a:t>
+            </a:r>
+          </a:p>
+        </p:txBody>
+      </p:sp>
+    </p:spTree>
+    <p:extLst>
+      <p:ext uri="{BB962C8B-B14F-4D97-AF65-F5344CB8AC3E}">
+        <p14:creationId xmlns:p14="http://schemas.microsoft.com/office/powerpoint/2010/main" val="3177436137"/>
+      </p:ext>
+    </p:extLst>
+  </p:cSld>
+  <p:clrMapOvr>
+    <a:masterClrMapping/>
+  </p:clrMapOvr>
+</p:sld>
+</file>
+
+<file path=ppt/slides/slide7.xml><?xml version="1.0" encoding="utf-8"?>
+<p:sld xmlns:a="http://schemas.openxmlformats.org/drawingml/2006/main" xmlns:r="http://schemas.openxmlformats.org/officeDocument/2006/relationships" xmlns:p="http://schemas.openxmlformats.org/presentationml/2006/main">
+  <p:cSld>
+    <p:spTree>
+      <p:nvGrpSpPr>
+        <p:cNvPr id="1" name=""/>
+        <p:cNvGrpSpPr/>
+        <p:nvPr/>
+      </p:nvGrpSpPr>
+      <p:grpSpPr>
+        <a:xfrm>
+          <a:off x="0" y="0"/>
+          <a:ext cx="0" cy="0"/>
+          <a:chOff x="0" y="0"/>
+          <a:chExt cx="0" cy="0"/>
+        </a:xfrm>
+      </p:grpSpPr>
+      <p:sp>
+        <p:nvSpPr>
+          <p:cNvPr id="2" name="Title 1">
+            <a:extLst>
+              <a:ext uri="{FF2B5EF4-FFF2-40B4-BE49-F238E27FC236}">
+                <a16:creationId xmlns:a16="http://schemas.microsoft.com/office/drawing/2014/main" id="{1E1B38B9-B551-924B-B4DA-B77F34204A13}"/>
+              </a:ext>
+            </a:extLst>
+          </p:cNvPr>
+          <p:cNvSpPr>
+            <a:spLocks noGrp="1"/>
+          </p:cNvSpPr>
+          <p:nvPr>
+            <p:ph type="title"/>
+          </p:nvPr>
+        </p:nvSpPr>
+        <p:spPr/>
+        <p:txBody>
+          <a:bodyPr/>
+          <a:lstStyle/>
+          <a:p>
+            <a:r>
+              <a:rPr lang="en-US" dirty="0"/>
+              <a:t>Univariate Implementation</a:t>
+            </a:r>
+          </a:p>
+        </p:txBody>
+      </p:sp>
+      <p:sp>
+        <p:nvSpPr>
+          <p:cNvPr id="3" name="Content Placeholder 2">
+            <a:extLst>
+              <a:ext uri="{FF2B5EF4-FFF2-40B4-BE49-F238E27FC236}">
+                <a16:creationId xmlns:a16="http://schemas.microsoft.com/office/drawing/2014/main" id="{37229D49-2C8D-D84F-AC9F-73C0BD80344F}"/>
+              </a:ext>
+            </a:extLst>
+          </p:cNvPr>
+          <p:cNvSpPr>
+            <a:spLocks noGrp="1"/>
+          </p:cNvSpPr>
+          <p:nvPr>
+            <p:ph idx="1"/>
+          </p:nvPr>
+        </p:nvSpPr>
+        <p:spPr/>
+        <p:txBody>
+          <a:bodyPr/>
+          <a:lstStyle/>
+          <a:p>
+            <a:r>
+              <a:rPr lang="en-US" dirty="0"/>
+              <a:t>Select k best: select the best k features based on the metric. </a:t>
+            </a:r>
+          </a:p>
+          <a:p>
+            <a:r>
+              <a:rPr lang="en-US" dirty="0"/>
+              <a:t>Select percentile: select the best percentage of features based on the metric. </a:t>
+            </a:r>
+          </a:p>
+        </p:txBody>
+      </p:sp>
+    </p:spTree>
+    <p:extLst>
+      <p:ext uri="{BB962C8B-B14F-4D97-AF65-F5344CB8AC3E}">
+        <p14:creationId xmlns:p14="http://schemas.microsoft.com/office/powerpoint/2010/main" val="880092597"/>
+      </p:ext>
+    </p:extLst>
+  </p:cSld>
+  <p:clrMapOvr>
+    <a:masterClrMapping/>
+  </p:clrMapOvr>
+</p:sld>
+</file>
+
+<file path=ppt/slides/slide8.xml><?xml version="1.0" encoding="utf-8"?>
+<p:sld xmlns:a="http://schemas.openxmlformats.org/drawingml/2006/main" xmlns:r="http://schemas.openxmlformats.org/officeDocument/2006/relationships" xmlns:p="http://schemas.openxmlformats.org/presentationml/2006/main">
+  <p:cSld>
+    <p:spTree>
+      <p:nvGrpSpPr>
+        <p:cNvPr id="1" name=""/>
+        <p:cNvGrpSpPr/>
+        <p:nvPr/>
+      </p:nvGrpSpPr>
+      <p:grpSpPr>
+        <a:xfrm>
+          <a:off x="0" y="0"/>
+          <a:ext cx="0" cy="0"/>
+          <a:chOff x="0" y="0"/>
+          <a:chExt cx="0" cy="0"/>
+        </a:xfrm>
+      </p:grpSpPr>
+      <p:sp>
+        <p:nvSpPr>
+          <p:cNvPr id="2" name="Title 1">
+            <a:extLst>
+              <a:ext uri="{FF2B5EF4-FFF2-40B4-BE49-F238E27FC236}">
                 <a16:creationId xmlns:a16="http://schemas.microsoft.com/office/drawing/2014/main" id="{3E0D4231-E9D2-2B4F-A563-28EA1CB1CF2B}"/>
               </a:ext>
             </a:extLst>
@@ -4323,7 +4711,7 @@
 </p:sld>
 </file>
 
-<file path=ppt/slides/slide7.xml><?xml version="1.0" encoding="utf-8"?>
+<file path=ppt/slides/slide9.xml><?xml version="1.0" encoding="utf-8"?>
 <p:sld xmlns:a="http://schemas.openxmlformats.org/drawingml/2006/main" xmlns:r="http://schemas.openxmlformats.org/officeDocument/2006/relationships" xmlns:p="http://schemas.openxmlformats.org/presentationml/2006/main">
   <p:cSld>
     <p:spTree>

--- a/reference_content/Slides/Feature_Selection.pptx
+++ b/reference_content/Slides/Feature_Selection.pptx
@@ -3655,7 +3655,10 @@
           <a:bodyPr/>
           <a:lstStyle/>
           <a:p>
-            <a:endParaRPr lang="en-US"/>
+            <a:r>
+              <a:rPr lang="en-US" dirty="0"/>
+              <a:t>Stuff</a:t>
+            </a:r>
           </a:p>
         </p:txBody>
       </p:sp>
@@ -3675,12 +3678,103 @@
             <p:ph idx="1"/>
           </p:nvPr>
         </p:nvSpPr>
-        <p:spPr/>
-        <p:txBody>
-          <a:bodyPr/>
-          <a:lstStyle/>
-          <a:p>
-            <a:endParaRPr lang="en-US"/>
+        <p:spPr>
+          <a:xfrm>
+            <a:off x="1451579" y="1853754"/>
+            <a:ext cx="9603275" cy="4199727"/>
+          </a:xfrm>
+        </p:spPr>
+        <p:txBody>
+          <a:bodyPr>
+            <a:normAutofit lnSpcReduction="10000"/>
+          </a:bodyPr>
+          <a:lstStyle/>
+          <a:p>
+            <a:r>
+              <a:rPr lang="en-US" dirty="0"/>
+              <a:t>Feature selection basics. </a:t>
+            </a:r>
+          </a:p>
+          <a:p>
+            <a:pPr lvl="1"/>
+            <a:r>
+              <a:rPr lang="en-US" dirty="0"/>
+              <a:t>I’m going to ask you to read the workbook part over the next week. It’s pretty easy. </a:t>
+            </a:r>
+          </a:p>
+          <a:p>
+            <a:r>
+              <a:rPr lang="en-US" dirty="0"/>
+              <a:t>This Week (007-010) – Dimensionality of Data:</a:t>
+            </a:r>
+          </a:p>
+          <a:p>
+            <a:pPr lvl="1"/>
+            <a:r>
+              <a:rPr lang="en-US" dirty="0"/>
+              <a:t>Regularization. Images and multiclass classification. Support Vector Machines. </a:t>
+            </a:r>
+          </a:p>
+          <a:p>
+            <a:pPr lvl="1"/>
+            <a:r>
+              <a:rPr lang="en-US" dirty="0"/>
+              <a:t>Involve multidimensional space, videos and animations on YouTube can help visualize. </a:t>
+            </a:r>
+          </a:p>
+          <a:p>
+            <a:pPr lvl="1"/>
+            <a:r>
+              <a:rPr lang="en-US" dirty="0"/>
+              <a:t>These are all important concepts, but the hands on is simple-</a:t>
+            </a:r>
+            <a:r>
+              <a:rPr lang="en-US" dirty="0" err="1"/>
+              <a:t>ish</a:t>
+            </a:r>
+            <a:r>
+              <a:rPr lang="en-US" dirty="0"/>
+              <a:t>. </a:t>
+            </a:r>
+          </a:p>
+          <a:p>
+            <a:pPr lvl="1"/>
+            <a:r>
+              <a:rPr lang="en-US" dirty="0"/>
+              <a:t>The long text (Intro to Machine…) has chapters on each, please read. Also ask as we go. </a:t>
+            </a:r>
+          </a:p>
+          <a:p>
+            <a:r>
+              <a:rPr lang="en-US" dirty="0"/>
+              <a:t>After that – NLP and almost back on schedule-</a:t>
+            </a:r>
+            <a:r>
+              <a:rPr lang="en-US" dirty="0" err="1"/>
+              <a:t>ish</a:t>
+            </a:r>
+            <a:r>
+              <a:rPr lang="en-US" dirty="0"/>
+              <a:t>.  </a:t>
+            </a:r>
+          </a:p>
+          <a:p>
+            <a:r>
+              <a:rPr lang="en-US" dirty="0"/>
+              <a:t>We’ll do a test after the NLP stuff, pre neural network. ~2-3ish weeks. </a:t>
+            </a:r>
+          </a:p>
+          <a:p>
+            <a:pPr lvl="1"/>
+            <a:r>
+              <a:rPr lang="en-US" dirty="0"/>
+              <a:t>We’ll test on basic ML concepts, then leave the neural network stuff </a:t>
+            </a:r>
+            <a:r>
+              <a:rPr lang="en-US"/>
+              <a:t>for hands-on. </a:t>
+            </a:r>
+            <a:endParaRPr lang="en-US" dirty="0"/>
           </a:p>
         </p:txBody>
       </p:sp>

--- a/reference_content/Slides/Feature_Selection.pptx
+++ b/reference_content/Slides/Feature_Selection.pptx
@@ -3768,13 +3768,8 @@
             <a:pPr lvl="1"/>
             <a:r>
               <a:rPr lang="en-US" dirty="0"/>
-              <a:t>We’ll test on basic ML concepts, then leave the neural network stuff </a:t>
-            </a:r>
-            <a:r>
-              <a:rPr lang="en-US"/>
-              <a:t>for hands-on. </a:t>
-            </a:r>
-            <a:endParaRPr lang="en-US" dirty="0"/>
+              <a:t>We’ll test on basic ML concepts, then leave the neural network stuff for hands-on. </a:t>
+            </a:r>
           </a:p>
         </p:txBody>
       </p:sp>
